--- a/presentation/CrowdValue.pptx
+++ b/presentation/CrowdValue.pptx
@@ -5213,7 +5213,7 @@
         <p:spPr>
           <a:xfrm>
             <a:off x="563225" y="4552950"/>
-            <a:ext cx="8077200" cy="707886"/>
+            <a:ext cx="8077200" cy="907941"/>
           </a:xfrm>
           <a:prstGeom prst="rect">
             <a:avLst/>
@@ -5230,19 +5230,7 @@
               <a:rPr lang="en-US" sz="1300" dirty="0">
                 <a:latin typeface="Quattrocento Sans" panose="020B0604020202020204" charset="0"/>
               </a:rPr>
-              <a:t>View full source code </a:t>
-            </a:r>
-            <a:r>
-              <a:rPr lang="en-US" sz="1300" dirty="0" err="1">
-                <a:latin typeface="Quattrocento Sans" panose="020B0604020202020204" charset="0"/>
-              </a:rPr>
-              <a:t>Jupyter</a:t>
-            </a:r>
-            <a:r>
-              <a:rPr lang="en-US" sz="1300" dirty="0">
-                <a:latin typeface="Quattrocento Sans" panose="020B0604020202020204" charset="0"/>
-              </a:rPr>
-              <a:t> Notebook here (WIP):</a:t>
+              <a:t>View full source code here (WIP):</a:t>
             </a:r>
           </a:p>
           <a:p>
@@ -5251,8 +5239,13 @@
                 <a:latin typeface="Quattrocento Sans" panose="020B0604020202020204" charset="0"/>
                 <a:hlinkClick r:id="rId3"/>
               </a:rPr>
-              <a:t>http://localhost:8888/notebooks/Desktop/VIC%20Project/code/Analysis.ipynb</a:t>
+              <a:t>https://github.com/jrosenfeld13/VIC-Fundamental-Analysis</a:t>
             </a:r>
+            <a:endParaRPr lang="en-US" sz="1300" dirty="0">
+              <a:latin typeface="Quattrocento Sans" panose="020B0604020202020204" charset="0"/>
+            </a:endParaRPr>
+          </a:p>
+          <a:p>
             <a:endParaRPr lang="en-US" sz="1300" dirty="0">
               <a:latin typeface="Quattrocento Sans" panose="020B0604020202020204" charset="0"/>
             </a:endParaRPr>
